--- a/presentation.pptx
+++ b/presentation.pptx
@@ -5,7 +5,7 @@
     <p:sldMasterId id="2147483648" r:id="rId1"/>
   </p:sldMasterIdLst>
   <p:notesMasterIdLst>
-    <p:notesMasterId r:id="rId10"/>
+    <p:notesMasterId r:id="rId11"/>
   </p:notesMasterIdLst>
   <p:sldIdLst>
     <p:sldId id="256" r:id="rId2"/>
@@ -16,6 +16,7 @@
     <p:sldId id="263" r:id="rId7"/>
     <p:sldId id="264" r:id="rId8"/>
     <p:sldId id="265" r:id="rId9"/>
+    <p:sldId id="266" r:id="rId10"/>
   </p:sldIdLst>
   <p:sldSz cx="12192000" cy="6858000"/>
   <p:notesSz cx="6858000" cy="9144000"/>
@@ -114,6 +115,11 @@
       </a:defRPr>
     </a:lvl9pPr>
   </p:defaultTextStyle>
+  <p:extLst>
+    <p:ext uri="{EFAFB233-063F-42B5-8137-9DF3F51BA10A}">
+      <p15:sldGuideLst xmlns:p15="http://schemas.microsoft.com/office/powerpoint/2012/main"/>
+    </p:ext>
+  </p:extLst>
 </p:presentation>
 </file>
 
@@ -9278,10 +9284,205 @@
           </a:xfrm>
         </p:spPr>
       </p:pic>
+      <p:sp>
+        <p:nvSpPr>
+          <p:cNvPr id="3" name="직사각형 2">
+            <a:extLst>
+              <a:ext uri="{FF2B5EF4-FFF2-40B4-BE49-F238E27FC236}">
+                <a16:creationId xmlns:a16="http://schemas.microsoft.com/office/drawing/2014/main" id="{2B888B25-0423-8246-846F-AAB1B1BAA219}"/>
+              </a:ext>
+            </a:extLst>
+          </p:cNvPr>
+          <p:cNvSpPr/>
+          <p:nvPr/>
+        </p:nvSpPr>
+        <p:spPr>
+          <a:xfrm>
+            <a:off x="3704576" y="3244334"/>
+            <a:ext cx="4782848" cy="369332"/>
+          </a:xfrm>
+          <a:prstGeom prst="rect">
+            <a:avLst/>
+          </a:prstGeom>
+        </p:spPr>
+        <p:txBody>
+          <a:bodyPr wrap="none">
+            <a:spAutoFit/>
+          </a:bodyPr>
+          <a:lstStyle/>
+          <a:p>
+            <a:r>
+              <a:rPr lang="ko-Kore-KR" altLang="en-US" dirty="0"/>
+              <a:t>https://github.com/SWdevelop-569/workflow.git</a:t>
+            </a:r>
+          </a:p>
+        </p:txBody>
+      </p:sp>
     </p:spTree>
     <p:extLst>
       <p:ext uri="{BB962C8B-B14F-4D97-AF65-F5344CB8AC3E}">
         <p14:creationId xmlns:p14="http://schemas.microsoft.com/office/powerpoint/2010/main" val="2180595675"/>
+      </p:ext>
+    </p:extLst>
+  </p:cSld>
+  <p:clrMapOvr>
+    <a:masterClrMapping/>
+  </p:clrMapOvr>
+</p:sld>
+</file>
+
+<file path=ppt/slides/slide9.xml><?xml version="1.0" encoding="utf-8"?>
+<p:sld xmlns:a="http://schemas.openxmlformats.org/drawingml/2006/main" xmlns:r="http://schemas.openxmlformats.org/officeDocument/2006/relationships" xmlns:p="http://schemas.openxmlformats.org/presentationml/2006/main">
+  <p:cSld>
+    <p:spTree>
+      <p:nvGrpSpPr>
+        <p:cNvPr id="1" name=""/>
+        <p:cNvGrpSpPr/>
+        <p:nvPr/>
+      </p:nvGrpSpPr>
+      <p:grpSpPr>
+        <a:xfrm>
+          <a:off x="0" y="0"/>
+          <a:ext cx="0" cy="0"/>
+          <a:chOff x="0" y="0"/>
+          <a:chExt cx="0" cy="0"/>
+        </a:xfrm>
+      </p:grpSpPr>
+      <p:pic>
+        <p:nvPicPr>
+          <p:cNvPr id="8" name="내용 개체 틀 7" descr="스크린샷, 앉아있는이(가) 표시된 사진&#10;&#10;자동 생성된 설명">
+            <a:extLst>
+              <a:ext uri="{FF2B5EF4-FFF2-40B4-BE49-F238E27FC236}">
+                <a16:creationId xmlns:a16="http://schemas.microsoft.com/office/drawing/2014/main" id="{C4CFEBBD-25D8-1D4A-A899-481452727B28}"/>
+              </a:ext>
+            </a:extLst>
+          </p:cNvPr>
+          <p:cNvPicPr>
+            <a:picLocks noGrp="1" noChangeAspect="1"/>
+          </p:cNvPicPr>
+          <p:nvPr>
+            <p:ph idx="1"/>
+          </p:nvPr>
+        </p:nvPicPr>
+        <p:blipFill>
+          <a:blip r:embed="rId2"/>
+          <a:stretch>
+            <a:fillRect/>
+          </a:stretch>
+        </p:blipFill>
+        <p:spPr>
+          <a:xfrm>
+            <a:off x="6785113" y="334008"/>
+            <a:ext cx="4568687" cy="6054990"/>
+          </a:xfrm>
+        </p:spPr>
+      </p:pic>
+      <p:sp>
+        <p:nvSpPr>
+          <p:cNvPr id="10" name="TextBox 9">
+            <a:extLst>
+              <a:ext uri="{FF2B5EF4-FFF2-40B4-BE49-F238E27FC236}">
+                <a16:creationId xmlns:a16="http://schemas.microsoft.com/office/drawing/2014/main" id="{DE3EEB35-DA5E-F945-A77C-87168AD801B6}"/>
+              </a:ext>
+            </a:extLst>
+          </p:cNvPr>
+          <p:cNvSpPr txBox="1"/>
+          <p:nvPr/>
+        </p:nvSpPr>
+        <p:spPr>
+          <a:xfrm>
+            <a:off x="790832" y="852616"/>
+            <a:ext cx="4720282" cy="2031325"/>
+          </a:xfrm>
+          <a:prstGeom prst="rect">
+            <a:avLst/>
+          </a:prstGeom>
+          <a:noFill/>
+        </p:spPr>
+        <p:txBody>
+          <a:bodyPr wrap="square" rtlCol="0">
+            <a:spAutoFit/>
+          </a:bodyPr>
+          <a:lstStyle/>
+          <a:p>
+            <a:r>
+              <a:rPr kumimoji="1" lang="en-US" altLang="ko-KR" dirty="0"/>
+              <a:t>-</a:t>
+            </a:r>
+            <a:r>
+              <a:rPr kumimoji="1" lang="ko-KR" altLang="en-US" dirty="0"/>
+              <a:t>실제 연습 과정에서 로그 기록이다</a:t>
+            </a:r>
+            <a:r>
+              <a:rPr kumimoji="1" lang="en-US" altLang="ko-KR" dirty="0"/>
+              <a:t>.</a:t>
+            </a:r>
+          </a:p>
+          <a:p>
+            <a:endParaRPr kumimoji="1" lang="en-US" altLang="ko-KR" dirty="0"/>
+          </a:p>
+          <a:p>
+            <a:r>
+              <a:rPr kumimoji="1" lang="en-US" altLang="ko-KR" dirty="0"/>
+              <a:t>-Develop branch</a:t>
+            </a:r>
+            <a:r>
+              <a:rPr kumimoji="1" lang="ko-KR" altLang="en-US" dirty="0" err="1"/>
+              <a:t>로써</a:t>
+            </a:r>
+            <a:r>
+              <a:rPr kumimoji="1" lang="ko-KR" altLang="en-US" dirty="0"/>
+              <a:t> </a:t>
+            </a:r>
+            <a:r>
+              <a:rPr kumimoji="1" lang="en-US" altLang="ko-KR" dirty="0"/>
+              <a:t>team1, team2 branch</a:t>
+            </a:r>
+            <a:r>
+              <a:rPr kumimoji="1" lang="ko-KR" altLang="en-US" dirty="0" err="1"/>
+              <a:t>를</a:t>
+            </a:r>
+            <a:r>
+              <a:rPr kumimoji="1" lang="ko-KR" altLang="en-US" dirty="0"/>
+              <a:t> 사용했다</a:t>
+            </a:r>
+            <a:r>
+              <a:rPr kumimoji="1" lang="en-US" altLang="ko-KR" dirty="0"/>
+              <a:t>.</a:t>
+            </a:r>
+          </a:p>
+          <a:p>
+            <a:endParaRPr kumimoji="1" lang="en-US" altLang="ko-KR" dirty="0"/>
+          </a:p>
+          <a:p>
+            <a:r>
+              <a:rPr kumimoji="1" lang="en-US" altLang="ko-KR" dirty="0"/>
+              <a:t>-</a:t>
+            </a:r>
+            <a:r>
+              <a:rPr kumimoji="1" lang="ko-KR" altLang="en-US" dirty="0"/>
+              <a:t>합치는 과정에서 </a:t>
+            </a:r>
+            <a:r>
+              <a:rPr kumimoji="1" lang="en-US" altLang="ko-KR" dirty="0"/>
+              <a:t>merge</a:t>
+            </a:r>
+            <a:r>
+              <a:rPr kumimoji="1" lang="ko-KR" altLang="en-US" dirty="0" err="1"/>
+              <a:t>를</a:t>
+            </a:r>
+            <a:r>
+              <a:rPr kumimoji="1" lang="ko-KR" altLang="en-US" dirty="0"/>
+              <a:t> 사용했고 충돌을 해결했다</a:t>
+            </a:r>
+            <a:endParaRPr kumimoji="1" lang="ko-Kore-KR" altLang="en-US" dirty="0"/>
+          </a:p>
+        </p:txBody>
+      </p:sp>
+    </p:spTree>
+    <p:extLst>
+      <p:ext uri="{BB962C8B-B14F-4D97-AF65-F5344CB8AC3E}">
+        <p14:creationId xmlns:p14="http://schemas.microsoft.com/office/powerpoint/2010/main" val="3336434109"/>
       </p:ext>
     </p:extLst>
   </p:cSld>

--- a/presentation.pptx
+++ b/presentation.pptx
@@ -5,7 +5,7 @@
     <p:sldMasterId id="2147483648" r:id="rId1"/>
   </p:sldMasterIdLst>
   <p:notesMasterIdLst>
-    <p:notesMasterId r:id="rId10"/>
+    <p:notesMasterId r:id="rId11"/>
   </p:notesMasterIdLst>
   <p:sldIdLst>
     <p:sldId id="256" r:id="rId2"/>
@@ -15,7 +15,8 @@
     <p:sldId id="260" r:id="rId6"/>
     <p:sldId id="263" r:id="rId7"/>
     <p:sldId id="264" r:id="rId8"/>
-    <p:sldId id="265" r:id="rId9"/>
+    <p:sldId id="266" r:id="rId9"/>
+    <p:sldId id="265" r:id="rId10"/>
   </p:sldIdLst>
   <p:sldSz cx="12192000" cy="6858000"/>
   <p:notesSz cx="6858000" cy="9144000"/>
@@ -9229,6 +9230,148 @@
           <p:cNvPr id="2" name="제목 1">
             <a:extLst>
               <a:ext uri="{FF2B5EF4-FFF2-40B4-BE49-F238E27FC236}">
+                <a16:creationId xmlns:a16="http://schemas.microsoft.com/office/drawing/2014/main" id="{2014359C-BD93-6C43-9702-73220179C197}"/>
+              </a:ext>
+            </a:extLst>
+          </p:cNvPr>
+          <p:cNvSpPr>
+            <a:spLocks noGrp="1"/>
+          </p:cNvSpPr>
+          <p:nvPr>
+            <p:ph type="title"/>
+          </p:nvPr>
+        </p:nvSpPr>
+        <p:spPr/>
+        <p:txBody>
+          <a:bodyPr/>
+          <a:lstStyle/>
+          <a:p>
+            <a:r>
+              <a:rPr kumimoji="1" lang="en-US" altLang="ko-Kore-KR" dirty="0"/>
+              <a:t>workflow</a:t>
+            </a:r>
+            <a:endParaRPr kumimoji="1" lang="ko-Kore-KR" altLang="en-US" dirty="0"/>
+          </a:p>
+        </p:txBody>
+      </p:sp>
+      <p:sp>
+        <p:nvSpPr>
+          <p:cNvPr id="3" name="내용 개체 틀 2">
+            <a:extLst>
+              <a:ext uri="{FF2B5EF4-FFF2-40B4-BE49-F238E27FC236}">
+                <a16:creationId xmlns:a16="http://schemas.microsoft.com/office/drawing/2014/main" id="{6F577140-2C2A-B841-9D56-C2ED7955C51E}"/>
+              </a:ext>
+            </a:extLst>
+          </p:cNvPr>
+          <p:cNvSpPr>
+            <a:spLocks noGrp="1"/>
+          </p:cNvSpPr>
+          <p:nvPr>
+            <p:ph idx="1"/>
+          </p:nvPr>
+        </p:nvSpPr>
+        <p:spPr/>
+        <p:txBody>
+          <a:bodyPr/>
+          <a:lstStyle/>
+          <a:p>
+            <a:r>
+              <a:rPr kumimoji="1" lang="ko-Kore-KR" altLang="en-US" dirty="0"/>
+              <a:t>개발이 끝난 후</a:t>
+            </a:r>
+            <a:r>
+              <a:rPr kumimoji="1" lang="en-US" altLang="ko-Kore-KR" dirty="0"/>
+              <a:t>, </a:t>
+            </a:r>
+            <a:r>
+              <a:rPr kumimoji="1" lang="ko-Kore-KR" altLang="en-US" dirty="0"/>
+              <a:t>다른 </a:t>
+            </a:r>
+            <a:r>
+              <a:rPr kumimoji="1" lang="en-US" altLang="ko-Kore-KR" dirty="0"/>
+              <a:t>branch</a:t>
+            </a:r>
+            <a:r>
+              <a:rPr kumimoji="1" lang="ko-Kore-KR" altLang="en-US" dirty="0"/>
+              <a:t>와 합칠려면 </a:t>
+            </a:r>
+            <a:r>
+              <a:rPr kumimoji="1" lang="en-US" altLang="ko-Kore-KR" dirty="0"/>
+              <a:t>Pull Request</a:t>
+            </a:r>
+            <a:r>
+              <a:rPr kumimoji="1" lang="ko-Kore-KR" altLang="en-US" dirty="0"/>
+              <a:t>를 통해 합친다</a:t>
+            </a:r>
+            <a:r>
+              <a:rPr kumimoji="1" lang="en-US" altLang="ko-Kore-KR" dirty="0"/>
+              <a:t>.</a:t>
+            </a:r>
+          </a:p>
+          <a:p>
+            <a:r>
+              <a:rPr kumimoji="1" lang="ko-Kore-KR" altLang="en-US" dirty="0"/>
+              <a:t>개발이 끝난 후</a:t>
+            </a:r>
+            <a:r>
+              <a:rPr kumimoji="1" lang="en-US" altLang="ko-Kore-KR" dirty="0"/>
+              <a:t>, </a:t>
+            </a:r>
+            <a:r>
+              <a:rPr kumimoji="1" lang="ko-Kore-KR" altLang="en-US" dirty="0"/>
+              <a:t>개발 할때 사용한 </a:t>
+            </a:r>
+            <a:r>
+              <a:rPr kumimoji="1" lang="en-US" altLang="ko-Kore-KR" dirty="0"/>
+              <a:t>branch</a:t>
+            </a:r>
+            <a:r>
+              <a:rPr kumimoji="1" lang="ko-Kore-KR" altLang="en-US" dirty="0"/>
+              <a:t>는 없앤다</a:t>
+            </a:r>
+            <a:r>
+              <a:rPr kumimoji="1" lang="en-US" altLang="ko-Kore-KR" dirty="0"/>
+              <a:t>.</a:t>
+            </a:r>
+            <a:endParaRPr kumimoji="1" lang="ko-Kore-KR" altLang="en-US" dirty="0"/>
+          </a:p>
+        </p:txBody>
+      </p:sp>
+    </p:spTree>
+    <p:extLst>
+      <p:ext uri="{BB962C8B-B14F-4D97-AF65-F5344CB8AC3E}">
+        <p14:creationId xmlns:p14="http://schemas.microsoft.com/office/powerpoint/2010/main" val="1568742686"/>
+      </p:ext>
+    </p:extLst>
+  </p:cSld>
+  <p:clrMapOvr>
+    <a:masterClrMapping/>
+  </p:clrMapOvr>
+</p:sld>
+</file>
+
+<file path=ppt/slides/slide9.xml><?xml version="1.0" encoding="utf-8"?>
+<p:sld xmlns:a="http://schemas.openxmlformats.org/drawingml/2006/main" xmlns:r="http://schemas.openxmlformats.org/officeDocument/2006/relationships" xmlns:p="http://schemas.openxmlformats.org/presentationml/2006/main">
+  <p:cSld>
+    <p:spTree>
+      <p:nvGrpSpPr>
+        <p:cNvPr id="1" name=""/>
+        <p:cNvGrpSpPr/>
+        <p:nvPr/>
+      </p:nvGrpSpPr>
+      <p:grpSpPr>
+        <a:xfrm>
+          <a:off x="0" y="0"/>
+          <a:ext cx="0" cy="0"/>
+          <a:chOff x="0" y="0"/>
+          <a:chExt cx="0" cy="0"/>
+        </a:xfrm>
+      </p:grpSpPr>
+      <p:sp>
+        <p:nvSpPr>
+          <p:cNvPr id="2" name="제목 1">
+            <a:extLst>
+              <a:ext uri="{FF2B5EF4-FFF2-40B4-BE49-F238E27FC236}">
                 <a16:creationId xmlns:a16="http://schemas.microsoft.com/office/drawing/2014/main" id="{9A14E9B7-328C-A242-8518-F5DD45B31E7D}"/>
               </a:ext>
             </a:extLst>
